--- a/spring11/slides11/slides7f.pptx
+++ b/spring11/slides11/slides7f.pptx
@@ -8467,11 +8467,7 @@
             </a:r>
             <a:r>
               <a:rPr lang="en-US" dirty="0" smtClean="0"/>
-              <a:t> </a:t>
-            </a:r>
-            <a:r>
-              <a:rPr lang="en-US" dirty="0" smtClean="0"/>
-              <a:t>7F.</a:t>
+              <a:t> 7F.</a:t>
             </a:r>
             <a:fld id="{EA14F88D-777A-4299-8570-DC348E624953}" type="slidenum">
               <a:rPr lang="en-US" smtClean="0"/>
@@ -8549,25 +8545,13 @@
               <a:rPr lang="en-US" sz="1200" baseline="0" dirty="0" smtClean="0">
                 <a:latin typeface="Comic Sans MS" pitchFamily="66" charset="0"/>
               </a:rPr>
-              <a:t> </a:t>
-            </a:r>
-            <a:r>
-              <a:rPr lang="en-US" sz="1200" baseline="0" dirty="0" smtClean="0">
-                <a:latin typeface="Comic Sans MS" pitchFamily="66" charset="0"/>
-              </a:rPr>
-              <a:t>18,</a:t>
+              <a:t> 18,</a:t>
             </a:r>
             <a:r>
               <a:rPr lang="en-US" sz="1200" dirty="0" smtClean="0">
                 <a:latin typeface="Comic Sans MS" pitchFamily="66" charset="0"/>
               </a:rPr>
-              <a:t> </a:t>
-            </a:r>
-            <a:r>
-              <a:rPr lang="en-US" sz="1200" dirty="0" smtClean="0">
-                <a:latin typeface="Comic Sans MS" pitchFamily="66" charset="0"/>
-              </a:rPr>
-              <a:t>2011</a:t>
+              <a:t> 2011</a:t>
             </a:r>
             <a:endParaRPr lang="en-US" sz="1200" dirty="0">
               <a:latin typeface="Comic Sans MS" pitchFamily="66" charset="0"/>
@@ -11612,23 +11596,7 @@
                   <a:srgbClr val="9F009F"/>
                 </a:solidFill>
               </a:rPr>
-              <a:t> layout</a:t>
-            </a:r>
-            <a:r>
-              <a:rPr lang="en-US" sz="3600" dirty="0" smtClean="0">
-                <a:solidFill>
-                  <a:srgbClr val="9F009F"/>
-                </a:solidFill>
-              </a:rPr>
-              <a:t>, </a:t>
-            </a:r>
-            <a:r>
-              <a:rPr lang="en-US" sz="3600" dirty="0" smtClean="0">
-                <a:solidFill>
-                  <a:srgbClr val="9F009F"/>
-                </a:solidFill>
-              </a:rPr>
-              <a:t>different vertices</a:t>
+              <a:t> layout, different vertices</a:t>
             </a:r>
             <a:endParaRPr lang="en-US" sz="3600" dirty="0">
               <a:solidFill>
@@ -12326,6 +12294,20 @@
               </a:rPr>
               <a:t>edge-preserving</a:t>
             </a:r>
+          </a:p>
+          <a:p>
+            <a:pPr algn="ctr">
+              <a:buFontTx/>
+              <a:buNone/>
+            </a:pPr>
+            <a:r>
+              <a:rPr lang="en-US" sz="5400" dirty="0" err="1" smtClean="0">
+                <a:solidFill>
+                  <a:srgbClr val="FF00FF"/>
+                </a:solidFill>
+              </a:rPr>
+              <a:t>bijection</a:t>
+            </a:r>
             <a:endParaRPr lang="en-US" sz="5400" dirty="0" smtClean="0">
               <a:solidFill>
                 <a:srgbClr val="FF00FF"/>
@@ -12333,36 +12315,13 @@
             </a:endParaRPr>
           </a:p>
           <a:p>
-            <a:pPr algn="ctr">
-              <a:buFontTx/>
-              <a:buNone/>
-            </a:pPr>
-            <a:r>
-              <a:rPr lang="en-US" sz="5400" dirty="0" err="1" smtClean="0">
-                <a:solidFill>
-                  <a:srgbClr val="FF00FF"/>
-                </a:solidFill>
-              </a:rPr>
-              <a:t>bijection</a:t>
-            </a:r>
-            <a:endParaRPr lang="en-US" sz="5400" dirty="0" smtClean="0">
-              <a:solidFill>
-                <a:srgbClr val="FF00FF"/>
-              </a:solidFill>
-            </a:endParaRPr>
-          </a:p>
-          <a:p>
             <a:pPr>
               <a:buFontTx/>
               <a:buNone/>
             </a:pPr>
             <a:r>
               <a:rPr lang="en-US" sz="5400" dirty="0" smtClean="0"/>
-              <a:t>between </a:t>
-            </a:r>
-            <a:r>
-              <a:rPr lang="en-US" sz="5400" dirty="0" smtClean="0"/>
-              <a:t>their vertices.</a:t>
+              <a:t>between their vertices.</a:t>
             </a:r>
             <a:endParaRPr lang="en-US" sz="5400" dirty="0"/>
           </a:p>
@@ -23556,23 +23515,7 @@
                   <a:srgbClr val="9F009F"/>
                 </a:solidFill>
               </a:rPr>
-              <a:t>graph</a:t>
-            </a:r>
-            <a:r>
-              <a:rPr lang="en-US" sz="3600" dirty="0" smtClean="0">
-                <a:solidFill>
-                  <a:srgbClr val="9F009F"/>
-                </a:solidFill>
-              </a:rPr>
-              <a:t>, </a:t>
-            </a:r>
-            <a:r>
-              <a:rPr lang="en-US" sz="3600" dirty="0" smtClean="0">
-                <a:solidFill>
-                  <a:srgbClr val="9F009F"/>
-                </a:solidFill>
-              </a:rPr>
-              <a:t>different layouts</a:t>
+              <a:t>graph, different layouts</a:t>
             </a:r>
             <a:endParaRPr lang="en-US" sz="3600" dirty="0">
               <a:solidFill>
@@ -25474,7 +25417,9 @@
           </a:bodyPr>
           <a:lstStyle/>
           <a:p>
-            <a:pPr algn="ctr"/>
+            <a:pPr algn="ctr">
+              <a:buNone/>
+            </a:pPr>
             <a:r>
               <a:rPr lang="en-US" sz="4000" dirty="0">
                 <a:latin typeface="Comic Sans MS" pitchFamily="66" charset="0"/>
@@ -25642,6 +25587,9 @@
           </a:bodyPr>
           <a:lstStyle/>
           <a:p>
+            <a:pPr>
+              <a:buNone/>
+            </a:pPr>
             <a:r>
               <a:rPr lang="en-US" sz="3200" dirty="0">
                 <a:latin typeface="Comic Sans MS" pitchFamily="66" charset="0"/>
@@ -25830,6 +25778,9 @@
           </a:bodyPr>
           <a:lstStyle/>
           <a:p>
+            <a:pPr>
+              <a:buNone/>
+            </a:pPr>
             <a:r>
               <a:rPr lang="en-US" sz="3200" dirty="0">
                 <a:latin typeface="Comic Sans MS" pitchFamily="66" charset="0"/>
@@ -25957,6 +25908,9 @@
           </a:bodyPr>
           <a:lstStyle/>
           <a:p>
+            <a:pPr>
+              <a:buNone/>
+            </a:pPr>
             <a:r>
               <a:rPr lang="en-US" sz="4000">
                 <a:latin typeface="Comic Sans MS" pitchFamily="66" charset="0"/>
@@ -25996,6 +25950,9 @@
           </a:bodyPr>
           <a:lstStyle/>
           <a:p>
+            <a:pPr>
+              <a:buNone/>
+            </a:pPr>
             <a:r>
               <a:rPr lang="en-US" sz="4000">
                 <a:latin typeface="Comic Sans MS" pitchFamily="66" charset="0"/>
@@ -26108,7 +26065,7 @@
         <p:spPr bwMode="auto">
           <a:xfrm>
             <a:off x="1562100" y="2159000"/>
-            <a:ext cx="6019800" cy="3875088"/>
+            <a:ext cx="6019800" cy="4130361"/>
           </a:xfrm>
           <a:prstGeom prst="rect">
             <a:avLst/>
@@ -26127,6 +26084,9 @@
           </a:bodyPr>
           <a:lstStyle/>
           <a:p>
+            <a:pPr>
+              <a:buNone/>
+            </a:pPr>
             <a:r>
               <a:rPr lang="en-US" dirty="0">
                 <a:latin typeface="Comic Sans MS" pitchFamily="66" charset="0"/>
@@ -26135,6 +26095,9 @@
             </a:r>
           </a:p>
           <a:p>
+            <a:pPr>
+              <a:buNone/>
+            </a:pPr>
             <a:r>
               <a:rPr lang="en-US" dirty="0" smtClean="0">
                 <a:latin typeface="Comic Sans MS" pitchFamily="66" charset="0"/>
@@ -26149,6 +26112,9 @@
             </a:r>
           </a:p>
           <a:p>
+            <a:pPr>
+              <a:buNone/>
+            </a:pPr>
             <a:r>
               <a:rPr lang="en-US" dirty="0">
                 <a:latin typeface="Comic Sans MS" pitchFamily="66" charset="0"/>
@@ -26157,6 +26123,9 @@
             </a:r>
           </a:p>
           <a:p>
+            <a:pPr>
+              <a:buNone/>
+            </a:pPr>
             <a:r>
               <a:rPr lang="en-US" dirty="0">
                 <a:latin typeface="Comic Sans MS" pitchFamily="66" charset="0"/>
@@ -26165,6 +26134,9 @@
             </a:r>
           </a:p>
           <a:p>
+            <a:pPr>
+              <a:buNone/>
+            </a:pPr>
             <a:r>
               <a:rPr lang="en-US" dirty="0">
                 <a:latin typeface="Comic Sans MS" pitchFamily="66" charset="0"/>
@@ -26173,6 +26145,9 @@
             </a:r>
           </a:p>
           <a:p>
+            <a:pPr>
+              <a:buNone/>
+            </a:pPr>
             <a:r>
               <a:rPr lang="en-US" dirty="0">
                 <a:latin typeface="Comic Sans MS" pitchFamily="66" charset="0"/>
@@ -26190,6 +26165,9 @@
             </a:endParaRPr>
           </a:p>
           <a:p>
+            <a:pPr>
+              <a:buNone/>
+            </a:pPr>
             <a:endParaRPr lang="en-US" sz="3200" dirty="0">
               <a:latin typeface="Comic Sans MS" pitchFamily="66" charset="0"/>
             </a:endParaRPr>
@@ -26226,6 +26204,9 @@
           </a:bodyPr>
           <a:lstStyle/>
           <a:p>
+            <a:pPr>
+              <a:buNone/>
+            </a:pPr>
             <a:r>
               <a:rPr lang="en-US" sz="4800" dirty="0" smtClean="0">
                 <a:latin typeface="Comic Sans MS" pitchFamily="66" charset="0"/>
@@ -26740,7 +26721,7 @@
         <p:spPr bwMode="auto">
           <a:xfrm>
             <a:off x="1003300" y="1651000"/>
-            <a:ext cx="2616200" cy="3937000"/>
+            <a:ext cx="2616200" cy="4130361"/>
           </a:xfrm>
           <a:prstGeom prst="rect">
             <a:avLst/>
@@ -26759,16 +26740,25 @@
           </a:bodyPr>
           <a:lstStyle/>
           <a:p>
+            <a:pPr>
+              <a:buNone/>
+            </a:pPr>
             <a:endParaRPr lang="en-US" dirty="0">
               <a:latin typeface="Comic Sans MS" pitchFamily="66" charset="0"/>
             </a:endParaRPr>
           </a:p>
           <a:p>
+            <a:pPr>
+              <a:buNone/>
+            </a:pPr>
             <a:endParaRPr lang="en-US" dirty="0">
               <a:latin typeface="Comic Sans MS" pitchFamily="66" charset="0"/>
             </a:endParaRPr>
           </a:p>
           <a:p>
+            <a:pPr>
+              <a:buNone/>
+            </a:pPr>
             <a:r>
               <a:rPr lang="en-US" dirty="0">
                 <a:latin typeface="Comic Sans MS" pitchFamily="66" charset="0"/>
@@ -26777,6 +26767,9 @@
             </a:r>
           </a:p>
           <a:p>
+            <a:pPr>
+              <a:buNone/>
+            </a:pPr>
             <a:r>
               <a:rPr lang="en-US" dirty="0">
                 <a:latin typeface="Comic Sans MS" pitchFamily="66" charset="0"/>
@@ -26785,6 +26778,9 @@
             </a:r>
           </a:p>
           <a:p>
+            <a:pPr>
+              <a:buNone/>
+            </a:pPr>
             <a:r>
               <a:rPr lang="en-US" dirty="0">
                 <a:latin typeface="Comic Sans MS" pitchFamily="66" charset="0"/>
@@ -26793,6 +26789,9 @@
             </a:r>
           </a:p>
           <a:p>
+            <a:pPr>
+              <a:buNone/>
+            </a:pPr>
             <a:r>
               <a:rPr lang="en-US" dirty="0">
                 <a:latin typeface="Comic Sans MS" pitchFamily="66" charset="0"/>
@@ -26801,6 +26800,9 @@
             </a:r>
           </a:p>
           <a:p>
+            <a:pPr>
+              <a:buNone/>
+            </a:pPr>
             <a:r>
               <a:rPr lang="en-US" dirty="0">
                 <a:latin typeface="Comic Sans MS" pitchFamily="66" charset="0"/>
@@ -26984,7 +26986,7 @@
         <p:spPr bwMode="auto">
           <a:xfrm>
             <a:off x="4114800" y="2713038"/>
-            <a:ext cx="4842992" cy="1446550"/>
+            <a:ext cx="4845021" cy="1581972"/>
           </a:xfrm>
           <a:prstGeom prst="rect">
             <a:avLst/>
@@ -27003,6 +27005,9 @@
           </a:bodyPr>
           <a:lstStyle/>
           <a:p>
+            <a:pPr>
+              <a:buNone/>
+            </a:pPr>
             <a:r>
               <a:rPr lang="en-US" sz="4400">
                 <a:latin typeface="Comic Sans MS" pitchFamily="66" charset="0"/>
@@ -27026,6 +27031,9 @@
             </a:r>
           </a:p>
           <a:p>
+            <a:pPr>
+              <a:buNone/>
+            </a:pPr>
             <a:r>
               <a:rPr lang="en-US" sz="4400">
                 <a:latin typeface="Comic Sans MS" pitchFamily="66" charset="0"/>
@@ -27046,7 +27054,7 @@
         <p:spPr bwMode="auto">
           <a:xfrm>
             <a:off x="657225" y="1835150"/>
-            <a:ext cx="2818400" cy="646331"/>
+            <a:ext cx="2525852" cy="584776"/>
           </a:xfrm>
           <a:prstGeom prst="rect">
             <a:avLst/>
@@ -27065,6 +27073,9 @@
           </a:bodyPr>
           <a:lstStyle/>
           <a:p>
+            <a:pPr>
+              <a:buNone/>
+            </a:pPr>
             <a:r>
               <a:rPr lang="en-US" dirty="0">
                 <a:latin typeface="Comic Sans MS" pitchFamily="66" charset="0"/>
@@ -27154,7 +27165,7 @@
         <p:spPr bwMode="auto">
           <a:xfrm>
             <a:off x="1028700" y="2190749"/>
-            <a:ext cx="2616200" cy="3387725"/>
+            <a:ext cx="2616200" cy="3539430"/>
           </a:xfrm>
           <a:prstGeom prst="rect">
             <a:avLst/>
@@ -27173,6 +27184,9 @@
           </a:bodyPr>
           <a:lstStyle/>
           <a:p>
+            <a:pPr>
+              <a:buNone/>
+            </a:pPr>
             <a:endParaRPr lang="en-US" dirty="0">
               <a:solidFill>
                 <a:srgbClr val="3366FF"/>
@@ -27181,6 +27195,9 @@
             </a:endParaRPr>
           </a:p>
           <a:p>
+            <a:pPr>
+              <a:buNone/>
+            </a:pPr>
             <a:r>
               <a:rPr lang="en-US" dirty="0">
                 <a:solidFill>
@@ -27213,6 +27230,9 @@
             </a:r>
           </a:p>
           <a:p>
+            <a:pPr>
+              <a:buNone/>
+            </a:pPr>
             <a:r>
               <a:rPr lang="en-US" dirty="0">
                 <a:latin typeface="Comic Sans MS" pitchFamily="66" charset="0"/>
@@ -27221,6 +27241,9 @@
             </a:r>
           </a:p>
           <a:p>
+            <a:pPr>
+              <a:buNone/>
+            </a:pPr>
             <a:r>
               <a:rPr lang="en-US" dirty="0">
                 <a:latin typeface="Comic Sans MS" pitchFamily="66" charset="0"/>
@@ -27229,6 +27252,9 @@
             </a:r>
           </a:p>
           <a:p>
+            <a:pPr>
+              <a:buNone/>
+            </a:pPr>
             <a:r>
               <a:rPr lang="en-US" dirty="0">
                 <a:latin typeface="Comic Sans MS" pitchFamily="66" charset="0"/>
@@ -27237,6 +27263,9 @@
             </a:r>
           </a:p>
           <a:p>
+            <a:pPr>
+              <a:buNone/>
+            </a:pPr>
             <a:r>
               <a:rPr lang="en-US" dirty="0">
                 <a:latin typeface="Comic Sans MS" pitchFamily="66" charset="0"/>
@@ -27624,8 +27653,8 @@
         </p:nvSpPr>
         <p:spPr bwMode="auto">
           <a:xfrm>
-            <a:off x="3816959" y="1769740"/>
-            <a:ext cx="5182830" cy="1200329"/>
+            <a:off x="4020541" y="1769740"/>
+            <a:ext cx="4775666" cy="1175706"/>
           </a:xfrm>
           <a:prstGeom prst="rect">
             <a:avLst/>
@@ -27644,7 +27673,9 @@
           </a:bodyPr>
           <a:lstStyle/>
           <a:p>
-            <a:pPr algn="ctr"/>
+            <a:pPr algn="ctr">
+              <a:buNone/>
+            </a:pPr>
             <a:r>
               <a:rPr lang="en-US" dirty="0">
                 <a:latin typeface="Comic Sans MS" pitchFamily="66" charset="0"/>
@@ -27677,7 +27708,9 @@
             </a:r>
           </a:p>
           <a:p>
-            <a:pPr algn="ctr"/>
+            <a:pPr algn="ctr">
+              <a:buNone/>
+            </a:pPr>
             <a:r>
               <a:rPr lang="en-US" dirty="0">
                 <a:latin typeface="Comic Sans MS" pitchFamily="66" charset="0"/>
@@ -27729,6 +27762,9 @@
           </a:bodyPr>
           <a:lstStyle/>
           <a:p>
+            <a:pPr>
+              <a:buNone/>
+            </a:pPr>
             <a:r>
               <a:rPr lang="en-US" sz="3200" dirty="0">
                 <a:solidFill>
@@ -27771,6 +27807,9 @@
           </a:bodyPr>
           <a:lstStyle/>
           <a:p>
+            <a:pPr>
+              <a:buNone/>
+            </a:pPr>
             <a:r>
               <a:rPr lang="en-US" sz="3200" dirty="0">
                 <a:solidFill>
@@ -28059,7 +28098,7 @@
         <p:spPr bwMode="auto">
           <a:xfrm>
             <a:off x="1028700" y="2159000"/>
-            <a:ext cx="2616200" cy="3387725"/>
+            <a:ext cx="2616200" cy="3539430"/>
           </a:xfrm>
           <a:prstGeom prst="rect">
             <a:avLst/>
@@ -28078,6 +28117,9 @@
           </a:bodyPr>
           <a:lstStyle/>
           <a:p>
+            <a:pPr>
+              <a:buNone/>
+            </a:pPr>
             <a:endParaRPr lang="en-US" dirty="0">
               <a:solidFill>
                 <a:srgbClr val="3366FF"/>
@@ -28086,6 +28128,9 @@
             </a:endParaRPr>
           </a:p>
           <a:p>
+            <a:pPr>
+              <a:buNone/>
+            </a:pPr>
             <a:r>
               <a:rPr lang="en-US" dirty="0" smtClean="0">
                 <a:solidFill>
@@ -28100,6 +28145,9 @@
             </a:endParaRPr>
           </a:p>
           <a:p>
+            <a:pPr>
+              <a:buNone/>
+            </a:pPr>
             <a:r>
               <a:rPr lang="en-US" dirty="0">
                 <a:latin typeface="Comic Sans MS" pitchFamily="66" charset="0"/>
@@ -28117,6 +28165,9 @@
             </a:endParaRPr>
           </a:p>
           <a:p>
+            <a:pPr>
+              <a:buNone/>
+            </a:pPr>
             <a:r>
               <a:rPr lang="en-US" dirty="0">
                 <a:latin typeface="Comic Sans MS" pitchFamily="66" charset="0"/>
@@ -28134,6 +28185,9 @@
             </a:endParaRPr>
           </a:p>
           <a:p>
+            <a:pPr>
+              <a:buNone/>
+            </a:pPr>
             <a:r>
               <a:rPr lang="en-US" dirty="0">
                 <a:latin typeface="Comic Sans MS" pitchFamily="66" charset="0"/>
@@ -28151,6 +28205,9 @@
             </a:endParaRPr>
           </a:p>
           <a:p>
+            <a:pPr>
+              <a:buNone/>
+            </a:pPr>
             <a:r>
               <a:rPr lang="en-US" dirty="0">
                 <a:latin typeface="Comic Sans MS" pitchFamily="66" charset="0"/>
@@ -28363,7 +28420,7 @@
         <p:spPr bwMode="auto">
           <a:xfrm>
             <a:off x="657225" y="1835150"/>
-            <a:ext cx="2818400" cy="646331"/>
+            <a:ext cx="2525852" cy="584776"/>
           </a:xfrm>
           <a:prstGeom prst="rect">
             <a:avLst/>
@@ -28382,6 +28439,9 @@
           </a:bodyPr>
           <a:lstStyle/>
           <a:p>
+            <a:pPr>
+              <a:buNone/>
+            </a:pPr>
             <a:r>
               <a:rPr lang="en-US">
                 <a:latin typeface="Comic Sans MS" pitchFamily="66" charset="0"/>
@@ -28471,7 +28531,7 @@
         <p:spPr bwMode="auto">
           <a:xfrm>
             <a:off x="1028700" y="2159000"/>
-            <a:ext cx="2616200" cy="3387725"/>
+            <a:ext cx="2616200" cy="3539430"/>
           </a:xfrm>
           <a:prstGeom prst="rect">
             <a:avLst/>
@@ -28490,6 +28550,9 @@
           </a:bodyPr>
           <a:lstStyle/>
           <a:p>
+            <a:pPr>
+              <a:buNone/>
+            </a:pPr>
             <a:endParaRPr lang="en-US" dirty="0">
               <a:solidFill>
                 <a:srgbClr val="3366FF"/>
@@ -28498,6 +28561,9 @@
             </a:endParaRPr>
           </a:p>
           <a:p>
+            <a:pPr>
+              <a:buNone/>
+            </a:pPr>
             <a:r>
               <a:rPr lang="en-US" dirty="0" smtClean="0">
                 <a:solidFill>
@@ -28512,6 +28578,9 @@
             </a:endParaRPr>
           </a:p>
           <a:p>
+            <a:pPr>
+              <a:buNone/>
+            </a:pPr>
             <a:r>
               <a:rPr lang="en-US" dirty="0">
                 <a:latin typeface="Comic Sans MS" pitchFamily="66" charset="0"/>
@@ -28529,6 +28598,9 @@
             </a:endParaRPr>
           </a:p>
           <a:p>
+            <a:pPr>
+              <a:buNone/>
+            </a:pPr>
             <a:r>
               <a:rPr lang="en-US" dirty="0">
                 <a:latin typeface="Comic Sans MS" pitchFamily="66" charset="0"/>
@@ -28546,6 +28618,9 @@
             </a:endParaRPr>
           </a:p>
           <a:p>
+            <a:pPr>
+              <a:buNone/>
+            </a:pPr>
             <a:r>
               <a:rPr lang="en-US" dirty="0">
                 <a:latin typeface="Comic Sans MS" pitchFamily="66" charset="0"/>
@@ -28563,6 +28638,9 @@
             </a:endParaRPr>
           </a:p>
           <a:p>
+            <a:pPr>
+              <a:buNone/>
+            </a:pPr>
             <a:r>
               <a:rPr lang="en-US" dirty="0">
                 <a:latin typeface="Comic Sans MS" pitchFamily="66" charset="0"/>
@@ -29812,7 +29890,7 @@
         <p:spPr bwMode="auto">
           <a:xfrm>
             <a:off x="1028700" y="2159000"/>
-            <a:ext cx="2616200" cy="3387725"/>
+            <a:ext cx="2616200" cy="3539430"/>
           </a:xfrm>
           <a:prstGeom prst="rect">
             <a:avLst/>
@@ -29831,6 +29909,9 @@
           </a:bodyPr>
           <a:lstStyle/>
           <a:p>
+            <a:pPr>
+              <a:buNone/>
+            </a:pPr>
             <a:endParaRPr lang="en-US" dirty="0">
               <a:solidFill>
                 <a:srgbClr val="3366FF"/>
@@ -29839,6 +29920,9 @@
             </a:endParaRPr>
           </a:p>
           <a:p>
+            <a:pPr>
+              <a:buNone/>
+            </a:pPr>
             <a:r>
               <a:rPr lang="en-US" dirty="0" smtClean="0">
                 <a:solidFill>
@@ -29853,6 +29937,9 @@
             </a:endParaRPr>
           </a:p>
           <a:p>
+            <a:pPr>
+              <a:buNone/>
+            </a:pPr>
             <a:r>
               <a:rPr lang="en-US" dirty="0">
                 <a:solidFill>
@@ -29888,6 +29975,9 @@
             </a:endParaRPr>
           </a:p>
           <a:p>
+            <a:pPr>
+              <a:buNone/>
+            </a:pPr>
             <a:r>
               <a:rPr lang="en-US" dirty="0">
                 <a:latin typeface="Comic Sans MS" pitchFamily="66" charset="0"/>
@@ -29905,6 +29995,9 @@
             </a:endParaRPr>
           </a:p>
           <a:p>
+            <a:pPr>
+              <a:buNone/>
+            </a:pPr>
             <a:r>
               <a:rPr lang="en-US" dirty="0">
                 <a:latin typeface="Comic Sans MS" pitchFamily="66" charset="0"/>
@@ -29922,6 +30015,9 @@
             </a:endParaRPr>
           </a:p>
           <a:p>
+            <a:pPr>
+              <a:buNone/>
+            </a:pPr>
             <a:r>
               <a:rPr lang="en-US" dirty="0">
                 <a:latin typeface="Comic Sans MS" pitchFamily="66" charset="0"/>
@@ -30101,8 +30197,8 @@
         </p:nvSpPr>
         <p:spPr bwMode="auto">
           <a:xfrm>
-            <a:off x="3563568" y="1769740"/>
-            <a:ext cx="5480989" cy="1200329"/>
+            <a:off x="3781577" y="1769740"/>
+            <a:ext cx="5044971" cy="1175706"/>
           </a:xfrm>
           <a:prstGeom prst="rect">
             <a:avLst/>
@@ -30121,7 +30217,9 @@
           </a:bodyPr>
           <a:lstStyle/>
           <a:p>
-            <a:pPr algn="ctr"/>
+            <a:pPr algn="ctr">
+              <a:buNone/>
+            </a:pPr>
             <a:r>
               <a:rPr lang="en-US" dirty="0">
                 <a:latin typeface="Comic Sans MS" pitchFamily="66" charset="0"/>
@@ -30184,7 +30282,9 @@
             </a:endParaRPr>
           </a:p>
           <a:p>
-            <a:pPr algn="ctr"/>
+            <a:pPr algn="ctr">
+              <a:buNone/>
+            </a:pPr>
             <a:r>
               <a:rPr lang="en-US" dirty="0">
                 <a:latin typeface="Comic Sans MS" pitchFamily="66" charset="0"/>
@@ -30248,6 +30348,9 @@
           </a:bodyPr>
           <a:lstStyle/>
           <a:p>
+            <a:pPr>
+              <a:buNone/>
+            </a:pPr>
             <a:r>
               <a:rPr lang="en-US" sz="3200" dirty="0" smtClean="0">
                 <a:solidFill>
@@ -30296,6 +30399,9 @@
           </a:bodyPr>
           <a:lstStyle/>
           <a:p>
+            <a:pPr>
+              <a:buNone/>
+            </a:pPr>
             <a:r>
               <a:rPr lang="en-US" sz="3200" dirty="0" smtClean="0">
                 <a:solidFill>
@@ -30498,6 +30604,9 @@
           </a:bodyPr>
           <a:lstStyle/>
           <a:p>
+            <a:pPr>
+              <a:buNone/>
+            </a:pPr>
             <a:r>
               <a:rPr lang="en-US" sz="4000" dirty="0" smtClean="0">
                 <a:solidFill>
@@ -30833,7 +30942,9 @@
           </a:bodyPr>
           <a:lstStyle/>
           <a:p>
-            <a:pPr algn="ctr"/>
+            <a:pPr algn="ctr">
+              <a:buNone/>
+            </a:pPr>
             <a:r>
               <a:rPr lang="en-US" sz="4400">
                 <a:latin typeface="Comic Sans MS" pitchFamily="66" charset="0"/>
@@ -30873,6 +30984,9 @@
           </a:bodyPr>
           <a:lstStyle/>
           <a:p>
+            <a:pPr>
+              <a:buNone/>
+            </a:pPr>
             <a:r>
               <a:rPr lang="en-US" sz="3200">
                 <a:latin typeface="Comic Sans MS" pitchFamily="66" charset="0"/>
@@ -30976,6 +31090,9 @@
           </a:bodyPr>
           <a:lstStyle/>
           <a:p>
+            <a:pPr>
+              <a:buNone/>
+            </a:pPr>
             <a:r>
               <a:rPr lang="en-US" sz="3200">
                 <a:latin typeface="Comic Sans MS" pitchFamily="66" charset="0"/>
@@ -31079,6 +31196,9 @@
           </a:bodyPr>
           <a:lstStyle/>
           <a:p>
+            <a:pPr>
+              <a:buNone/>
+            </a:pPr>
             <a:r>
               <a:rPr lang="en-US" sz="3200">
                 <a:latin typeface="Comic Sans MS" pitchFamily="66" charset="0"/>
@@ -31182,6 +31302,9 @@
           </a:bodyPr>
           <a:lstStyle/>
           <a:p>
+            <a:pPr>
+              <a:buNone/>
+            </a:pPr>
             <a:r>
               <a:rPr lang="en-US" sz="3200">
                 <a:latin typeface="Comic Sans MS" pitchFamily="66" charset="0"/>
@@ -31285,6 +31408,9 @@
           </a:bodyPr>
           <a:lstStyle/>
           <a:p>
+            <a:pPr>
+              <a:buNone/>
+            </a:pPr>
             <a:r>
               <a:rPr lang="en-US" sz="3200">
                 <a:latin typeface="Comic Sans MS" pitchFamily="66" charset="0"/>
@@ -31621,7 +31747,7 @@
         <p:spPr bwMode="auto">
           <a:xfrm>
             <a:off x="2805113" y="839788"/>
-            <a:ext cx="3556000" cy="914400"/>
+            <a:ext cx="3556000" cy="923330"/>
           </a:xfrm>
           <a:prstGeom prst="rect">
             <a:avLst/>
@@ -31640,7 +31766,9 @@
           </a:bodyPr>
           <a:lstStyle/>
           <a:p>
-            <a:pPr algn="ctr"/>
+            <a:pPr algn="ctr">
+              <a:buNone/>
+            </a:pPr>
             <a:r>
               <a:rPr lang="en-US" sz="5400" dirty="0">
                 <a:solidFill>
@@ -31683,6 +31811,9 @@
           </a:bodyPr>
           <a:lstStyle/>
           <a:p>
+            <a:pPr>
+              <a:buNone/>
+            </a:pPr>
             <a:r>
               <a:rPr lang="en-US" sz="3200">
                 <a:latin typeface="Comic Sans MS" pitchFamily="66" charset="0"/>
@@ -31722,6 +31853,9 @@
           </a:bodyPr>
           <a:lstStyle/>
           <a:p>
+            <a:pPr>
+              <a:buNone/>
+            </a:pPr>
             <a:r>
               <a:rPr lang="en-US" sz="3200">
                 <a:latin typeface="Comic Sans MS" pitchFamily="66" charset="0"/>
@@ -31825,6 +31959,9 @@
           </a:bodyPr>
           <a:lstStyle/>
           <a:p>
+            <a:pPr>
+              <a:buNone/>
+            </a:pPr>
             <a:r>
               <a:rPr lang="en-US" sz="3200" dirty="0">
                 <a:latin typeface="Comic Sans MS" pitchFamily="66" charset="0"/>
@@ -31845,7 +31982,7 @@
         <p:spPr bwMode="auto">
           <a:xfrm>
             <a:off x="1611313" y="5948363"/>
-            <a:ext cx="434734" cy="584775"/>
+            <a:ext cx="441146" cy="584776"/>
           </a:xfrm>
           <a:prstGeom prst="rect">
             <a:avLst/>
@@ -31864,6 +32001,9 @@
           </a:bodyPr>
           <a:lstStyle/>
           <a:p>
+            <a:pPr>
+              <a:buNone/>
+            </a:pPr>
             <a:r>
               <a:rPr lang="en-US" sz="3200">
                 <a:latin typeface="Comic Sans MS" pitchFamily="66" charset="0"/>
@@ -31967,6 +32107,9 @@
           <a:bodyPr/>
           <a:lstStyle/>
           <a:p>
+            <a:pPr>
+              <a:buNone/>
+            </a:pPr>
             <a:endParaRPr lang="en-US">
               <a:latin typeface="Comic Sans MS" pitchFamily="66" charset="0"/>
             </a:endParaRPr>
@@ -32003,6 +32146,9 @@
           <a:bodyPr/>
           <a:lstStyle/>
           <a:p>
+            <a:pPr>
+              <a:buNone/>
+            </a:pPr>
             <a:endParaRPr lang="en-US">
               <a:latin typeface="Comic Sans MS" pitchFamily="66" charset="0"/>
             </a:endParaRPr>
@@ -32195,6 +32341,9 @@
           </a:bodyPr>
           <a:lstStyle/>
           <a:p>
+            <a:pPr>
+              <a:buNone/>
+            </a:pPr>
             <a:r>
               <a:rPr lang="en-US" sz="3200">
                 <a:latin typeface="Comic Sans MS" pitchFamily="66" charset="0"/>
@@ -32234,6 +32383,9 @@
           </a:bodyPr>
           <a:lstStyle/>
           <a:p>
+            <a:pPr>
+              <a:buNone/>
+            </a:pPr>
             <a:r>
               <a:rPr lang="en-US" sz="3200">
                 <a:latin typeface="Comic Sans MS" pitchFamily="66" charset="0"/>
@@ -32337,6 +32489,9 @@
           </a:bodyPr>
           <a:lstStyle/>
           <a:p>
+            <a:pPr>
+              <a:buNone/>
+            </a:pPr>
             <a:r>
               <a:rPr lang="en-US" sz="3200" dirty="0">
                 <a:latin typeface="Comic Sans MS" pitchFamily="66" charset="0"/>
@@ -32357,7 +32512,7 @@
         <p:spPr bwMode="auto">
           <a:xfrm>
             <a:off x="1611313" y="5948363"/>
-            <a:ext cx="434734" cy="584775"/>
+            <a:ext cx="441146" cy="584776"/>
           </a:xfrm>
           <a:prstGeom prst="rect">
             <a:avLst/>
@@ -32376,6 +32531,9 @@
           </a:bodyPr>
           <a:lstStyle/>
           <a:p>
+            <a:pPr>
+              <a:buNone/>
+            </a:pPr>
             <a:r>
               <a:rPr lang="en-US" sz="3200">
                 <a:latin typeface="Comic Sans MS" pitchFamily="66" charset="0"/>
@@ -32479,6 +32637,9 @@
           <a:bodyPr/>
           <a:lstStyle/>
           <a:p>
+            <a:pPr>
+              <a:buNone/>
+            </a:pPr>
             <a:endParaRPr lang="en-US">
               <a:latin typeface="Comic Sans MS" pitchFamily="66" charset="0"/>
             </a:endParaRPr>
@@ -32515,6 +32676,9 @@
           <a:bodyPr/>
           <a:lstStyle/>
           <a:p>
+            <a:pPr>
+              <a:buNone/>
+            </a:pPr>
             <a:endParaRPr lang="en-US">
               <a:latin typeface="Comic Sans MS" pitchFamily="66" charset="0"/>
             </a:endParaRPr>
@@ -32630,7 +32794,7 @@
         <p:spPr bwMode="auto">
           <a:xfrm>
             <a:off x="253388" y="1002536"/>
-            <a:ext cx="8604173" cy="646331"/>
+            <a:ext cx="8604173" cy="584776"/>
           </a:xfrm>
           <a:prstGeom prst="rect">
             <a:avLst/>
@@ -32649,7 +32813,9 @@
           </a:bodyPr>
           <a:lstStyle/>
           <a:p>
-            <a:pPr algn="ctr"/>
+            <a:pPr algn="ctr">
+              <a:buNone/>
+            </a:pPr>
             <a:r>
               <a:rPr lang="en-US" dirty="0">
                 <a:latin typeface="Comic Sans MS" pitchFamily="66" charset="0"/>
@@ -32705,6 +32871,9 @@
           <a:bodyPr/>
           <a:lstStyle/>
           <a:p>
+            <a:pPr>
+              <a:buNone/>
+            </a:pPr>
             <a:endParaRPr lang="en-US"/>
           </a:p>
         </p:txBody>
@@ -32908,6 +33077,9 @@
           </a:bodyPr>
           <a:lstStyle/>
           <a:p>
+            <a:pPr>
+              <a:buNone/>
+            </a:pPr>
             <a:r>
               <a:rPr lang="en-US" sz="3200">
                 <a:latin typeface="Comic Sans MS" pitchFamily="66" charset="0"/>
@@ -32947,6 +33119,9 @@
           </a:bodyPr>
           <a:lstStyle/>
           <a:p>
+            <a:pPr>
+              <a:buNone/>
+            </a:pPr>
             <a:r>
               <a:rPr lang="en-US" sz="3200">
                 <a:latin typeface="Comic Sans MS" pitchFamily="66" charset="0"/>
@@ -33050,6 +33225,9 @@
           </a:bodyPr>
           <a:lstStyle/>
           <a:p>
+            <a:pPr>
+              <a:buNone/>
+            </a:pPr>
             <a:r>
               <a:rPr lang="en-US" sz="3200" dirty="0">
                 <a:latin typeface="Comic Sans MS" pitchFamily="66" charset="0"/>
@@ -33070,7 +33248,7 @@
         <p:spPr bwMode="auto">
           <a:xfrm>
             <a:off x="1611313" y="5948363"/>
-            <a:ext cx="434734" cy="584775"/>
+            <a:ext cx="441146" cy="584776"/>
           </a:xfrm>
           <a:prstGeom prst="rect">
             <a:avLst/>
@@ -33089,6 +33267,9 @@
           </a:bodyPr>
           <a:lstStyle/>
           <a:p>
+            <a:pPr>
+              <a:buNone/>
+            </a:pPr>
             <a:r>
               <a:rPr lang="en-US" sz="3200">
                 <a:latin typeface="Comic Sans MS" pitchFamily="66" charset="0"/>
@@ -33192,6 +33373,9 @@
           <a:bodyPr/>
           <a:lstStyle/>
           <a:p>
+            <a:pPr>
+              <a:buNone/>
+            </a:pPr>
             <a:endParaRPr lang="en-US">
               <a:latin typeface="Comic Sans MS" pitchFamily="66" charset="0"/>
             </a:endParaRPr>
@@ -33228,6 +33412,9 @@
           <a:bodyPr/>
           <a:lstStyle/>
           <a:p>
+            <a:pPr>
+              <a:buNone/>
+            </a:pPr>
             <a:endParaRPr lang="en-US">
               <a:latin typeface="Comic Sans MS" pitchFamily="66" charset="0"/>
             </a:endParaRPr>
@@ -33362,7 +33549,9 @@
           </a:bodyPr>
           <a:lstStyle/>
           <a:p>
-            <a:pPr algn="ctr"/>
+            <a:pPr algn="ctr">
+              <a:buNone/>
+            </a:pPr>
             <a:r>
               <a:rPr lang="en-US" sz="4800" dirty="0">
                 <a:latin typeface="Comic Sans MS" pitchFamily="66" charset="0"/>
@@ -33412,6 +33601,9 @@
           <a:bodyPr/>
           <a:lstStyle/>
           <a:p>
+            <a:pPr>
+              <a:buNone/>
+            </a:pPr>
             <a:endParaRPr lang="en-US"/>
           </a:p>
         </p:txBody>
@@ -33447,6 +33639,9 @@
           <a:bodyPr/>
           <a:lstStyle/>
           <a:p>
+            <a:pPr>
+              <a:buNone/>
+            </a:pPr>
             <a:endParaRPr lang="en-US"/>
           </a:p>
         </p:txBody>
@@ -33682,6 +33877,9 @@
           </a:bodyPr>
           <a:lstStyle/>
           <a:p>
+            <a:pPr>
+              <a:buNone/>
+            </a:pPr>
             <a:r>
               <a:rPr lang="en-US" sz="3200">
                 <a:latin typeface="Comic Sans MS" pitchFamily="66" charset="0"/>
@@ -33721,6 +33919,9 @@
           </a:bodyPr>
           <a:lstStyle/>
           <a:p>
+            <a:pPr>
+              <a:buNone/>
+            </a:pPr>
             <a:r>
               <a:rPr lang="en-US" sz="3200">
                 <a:latin typeface="Comic Sans MS" pitchFamily="66" charset="0"/>
@@ -33824,6 +34025,9 @@
           </a:bodyPr>
           <a:lstStyle/>
           <a:p>
+            <a:pPr>
+              <a:buNone/>
+            </a:pPr>
             <a:r>
               <a:rPr lang="en-US" sz="3200" dirty="0">
                 <a:latin typeface="Comic Sans MS" pitchFamily="66" charset="0"/>
@@ -33844,7 +34048,7 @@
         <p:spPr bwMode="auto">
           <a:xfrm>
             <a:off x="1611313" y="5948363"/>
-            <a:ext cx="434734" cy="584775"/>
+            <a:ext cx="441146" cy="584776"/>
           </a:xfrm>
           <a:prstGeom prst="rect">
             <a:avLst/>
@@ -33863,6 +34067,9 @@
           </a:bodyPr>
           <a:lstStyle/>
           <a:p>
+            <a:pPr>
+              <a:buNone/>
+            </a:pPr>
             <a:r>
               <a:rPr lang="en-US" sz="3200">
                 <a:latin typeface="Comic Sans MS" pitchFamily="66" charset="0"/>
@@ -33966,6 +34173,9 @@
           <a:bodyPr/>
           <a:lstStyle/>
           <a:p>
+            <a:pPr>
+              <a:buNone/>
+            </a:pPr>
             <a:endParaRPr lang="en-US">
               <a:latin typeface="Comic Sans MS" pitchFamily="66" charset="0"/>
             </a:endParaRPr>
@@ -34002,6 +34212,9 @@
           <a:bodyPr/>
           <a:lstStyle/>
           <a:p>
+            <a:pPr>
+              <a:buNone/>
+            </a:pPr>
             <a:endParaRPr lang="en-US">
               <a:latin typeface="Comic Sans MS" pitchFamily="66" charset="0"/>
             </a:endParaRPr>
@@ -34137,6 +34350,9 @@
           <a:bodyPr/>
           <a:lstStyle/>
           <a:p>
+            <a:pPr>
+              <a:buNone/>
+            </a:pPr>
             <a:endParaRPr lang="en-US"/>
           </a:p>
         </p:txBody>
@@ -34172,6 +34388,9 @@
           <a:bodyPr/>
           <a:lstStyle/>
           <a:p>
+            <a:pPr>
+              <a:buNone/>
+            </a:pPr>
             <a:endParaRPr lang="en-US"/>
           </a:p>
         </p:txBody>
@@ -34270,7 +34489,9 @@
           </a:bodyPr>
           <a:lstStyle/>
           <a:p>
-            <a:pPr algn="ctr"/>
+            <a:pPr algn="ctr">
+              <a:buNone/>
+            </a:pPr>
             <a:r>
               <a:rPr lang="en-US" sz="4800" dirty="0" smtClean="0">
                 <a:latin typeface="Comic Sans MS" pitchFamily="66" charset="0"/>
@@ -34329,6 +34550,9 @@
           <a:bodyPr wrap="none" anchor="ctr"/>
           <a:lstStyle/>
           <a:p>
+            <a:pPr>
+              <a:buNone/>
+            </a:pPr>
             <a:endParaRPr lang="en-US"/>
           </a:p>
         </p:txBody>
@@ -34364,6 +34588,9 @@
           <a:bodyPr wrap="none" anchor="ctr"/>
           <a:lstStyle/>
           <a:p>
+            <a:pPr>
+              <a:buNone/>
+            </a:pPr>
             <a:endParaRPr lang="en-US"/>
           </a:p>
         </p:txBody>
@@ -34791,6 +35018,9 @@
           </a:bodyPr>
           <a:lstStyle/>
           <a:p>
+            <a:pPr>
+              <a:buNone/>
+            </a:pPr>
             <a:r>
               <a:rPr lang="en-US" sz="8800" dirty="0">
                 <a:latin typeface="Comic Sans MS" pitchFamily="66" charset="0"/>
@@ -34901,7 +35131,7 @@
         <p:spPr bwMode="auto">
           <a:xfrm>
             <a:off x="795338" y="1712077"/>
-            <a:ext cx="7551737" cy="3416320"/>
+            <a:ext cx="7551737" cy="3859518"/>
           </a:xfrm>
           <a:prstGeom prst="rect">
             <a:avLst/>
@@ -34920,6 +35150,9 @@
           </a:bodyPr>
           <a:lstStyle/>
           <a:p>
+            <a:pPr>
+              <a:buNone/>
+            </a:pPr>
             <a:r>
               <a:rPr lang="en-US" sz="7200" dirty="0">
                 <a:latin typeface="Comic Sans MS" pitchFamily="66" charset="0"/>
@@ -34928,6 +35161,9 @@
             </a:r>
           </a:p>
           <a:p>
+            <a:pPr>
+              <a:buNone/>
+            </a:pPr>
             <a:r>
               <a:rPr lang="en-US" sz="7200" dirty="0" smtClean="0">
                 <a:solidFill>
@@ -34945,7 +35181,9 @@
             </a:endParaRPr>
           </a:p>
           <a:p>
-            <a:pPr algn="ctr"/>
+            <a:pPr algn="ctr">
+              <a:buNone/>
+            </a:pPr>
             <a:r>
               <a:rPr lang="en-US" sz="7200" dirty="0">
                 <a:solidFill>
@@ -35162,7 +35400,7 @@
         <p:spPr bwMode="auto">
           <a:xfrm>
             <a:off x="1562100" y="2159000"/>
-            <a:ext cx="6019800" cy="3875088"/>
+            <a:ext cx="6019800" cy="4130361"/>
           </a:xfrm>
           <a:prstGeom prst="rect">
             <a:avLst/>
@@ -35181,6 +35419,9 @@
           </a:bodyPr>
           <a:lstStyle/>
           <a:p>
+            <a:pPr>
+              <a:buNone/>
+            </a:pPr>
             <a:r>
               <a:rPr lang="en-US" dirty="0">
                 <a:latin typeface="Comic Sans MS" pitchFamily="66" charset="0"/>
@@ -35189,6 +35430,9 @@
             </a:r>
           </a:p>
           <a:p>
+            <a:pPr>
+              <a:buNone/>
+            </a:pPr>
             <a:r>
               <a:rPr lang="en-US" dirty="0" smtClean="0">
                 <a:latin typeface="Comic Sans MS" pitchFamily="66" charset="0"/>
@@ -35203,6 +35447,9 @@
             </a:r>
           </a:p>
           <a:p>
+            <a:pPr>
+              <a:buNone/>
+            </a:pPr>
             <a:r>
               <a:rPr lang="en-US" dirty="0">
                 <a:latin typeface="Comic Sans MS" pitchFamily="66" charset="0"/>
@@ -35211,6 +35458,9 @@
             </a:r>
           </a:p>
           <a:p>
+            <a:pPr>
+              <a:buNone/>
+            </a:pPr>
             <a:r>
               <a:rPr lang="en-US" dirty="0">
                 <a:latin typeface="Comic Sans MS" pitchFamily="66" charset="0"/>
@@ -35219,6 +35469,9 @@
             </a:r>
           </a:p>
           <a:p>
+            <a:pPr>
+              <a:buNone/>
+            </a:pPr>
             <a:r>
               <a:rPr lang="en-US" dirty="0">
                 <a:latin typeface="Comic Sans MS" pitchFamily="66" charset="0"/>
@@ -35227,6 +35480,9 @@
             </a:r>
           </a:p>
           <a:p>
+            <a:pPr>
+              <a:buNone/>
+            </a:pPr>
             <a:r>
               <a:rPr lang="en-US" dirty="0">
                 <a:latin typeface="Comic Sans MS" pitchFamily="66" charset="0"/>
@@ -35244,6 +35500,9 @@
             </a:endParaRPr>
           </a:p>
           <a:p>
+            <a:pPr>
+              <a:buNone/>
+            </a:pPr>
             <a:endParaRPr lang="en-US" sz="3200" dirty="0">
               <a:latin typeface="Comic Sans MS" pitchFamily="66" charset="0"/>
             </a:endParaRPr>
@@ -35280,6 +35539,9 @@
           </a:bodyPr>
           <a:lstStyle/>
           <a:p>
+            <a:pPr>
+              <a:buNone/>
+            </a:pPr>
             <a:r>
               <a:rPr lang="en-US" sz="4800" dirty="0" smtClean="0">
                 <a:latin typeface="Comic Sans MS" pitchFamily="66" charset="0"/>
@@ -36715,6 +36977,9 @@
           </a:bodyPr>
           <a:lstStyle/>
           <a:p>
+            <a:pPr>
+              <a:buNone/>
+            </a:pPr>
             <a:r>
               <a:rPr lang="en-US" sz="3200">
                 <a:latin typeface="Comic Sans MS" pitchFamily="66" charset="0"/>
@@ -36818,6 +37083,9 @@
           </a:bodyPr>
           <a:lstStyle/>
           <a:p>
+            <a:pPr>
+              <a:buNone/>
+            </a:pPr>
             <a:r>
               <a:rPr lang="en-US" sz="3200">
                 <a:latin typeface="Comic Sans MS" pitchFamily="66" charset="0"/>
@@ -36921,6 +37189,9 @@
           </a:bodyPr>
           <a:lstStyle/>
           <a:p>
+            <a:pPr>
+              <a:buNone/>
+            </a:pPr>
             <a:r>
               <a:rPr lang="en-US" sz="3200">
                 <a:latin typeface="Comic Sans MS" pitchFamily="66" charset="0"/>
@@ -37024,6 +37295,9 @@
           </a:bodyPr>
           <a:lstStyle/>
           <a:p>
+            <a:pPr>
+              <a:buNone/>
+            </a:pPr>
             <a:r>
               <a:rPr lang="en-US" sz="3200">
                 <a:latin typeface="Comic Sans MS" pitchFamily="66" charset="0"/>
@@ -37127,6 +37401,9 @@
           </a:bodyPr>
           <a:lstStyle/>
           <a:p>
+            <a:pPr>
+              <a:buNone/>
+            </a:pPr>
             <a:r>
               <a:rPr lang="en-US" sz="3200">
                 <a:latin typeface="Comic Sans MS" pitchFamily="66" charset="0"/>
@@ -37390,6 +37667,9 @@
           </a:bodyPr>
           <a:lstStyle/>
           <a:p>
+            <a:pPr>
+              <a:buNone/>
+            </a:pPr>
             <a:r>
               <a:rPr lang="en-US" sz="6600" dirty="0" smtClean="0">
                 <a:solidFill>
@@ -37604,6 +37884,9 @@
           </a:bodyPr>
           <a:lstStyle/>
           <a:p>
+            <a:pPr>
+              <a:buNone/>
+            </a:pPr>
             <a:r>
               <a:rPr lang="en-US" sz="3200">
                 <a:latin typeface="Comic Sans MS" pitchFamily="66" charset="0"/>
@@ -37707,6 +37990,9 @@
           </a:bodyPr>
           <a:lstStyle/>
           <a:p>
+            <a:pPr>
+              <a:buNone/>
+            </a:pPr>
             <a:r>
               <a:rPr lang="en-US" sz="3200">
                 <a:latin typeface="Comic Sans MS" pitchFamily="66" charset="0"/>
@@ -37810,6 +38096,9 @@
           </a:bodyPr>
           <a:lstStyle/>
           <a:p>
+            <a:pPr>
+              <a:buNone/>
+            </a:pPr>
             <a:r>
               <a:rPr lang="en-US" sz="3200">
                 <a:latin typeface="Comic Sans MS" pitchFamily="66" charset="0"/>
@@ -37913,6 +38202,9 @@
           </a:bodyPr>
           <a:lstStyle/>
           <a:p>
+            <a:pPr>
+              <a:buNone/>
+            </a:pPr>
             <a:r>
               <a:rPr lang="en-US" sz="3200">
                 <a:latin typeface="Comic Sans MS" pitchFamily="66" charset="0"/>
@@ -38016,6 +38308,9 @@
           </a:bodyPr>
           <a:lstStyle/>
           <a:p>
+            <a:pPr>
+              <a:buNone/>
+            </a:pPr>
             <a:r>
               <a:rPr lang="en-US" sz="3200">
                 <a:latin typeface="Comic Sans MS" pitchFamily="66" charset="0"/>
@@ -38279,6 +38574,9 @@
           </a:bodyPr>
           <a:lstStyle/>
           <a:p>
+            <a:pPr>
+              <a:buNone/>
+            </a:pPr>
             <a:r>
               <a:rPr lang="en-US" sz="4800" dirty="0" smtClean="0">
                 <a:solidFill>
@@ -38475,7 +38773,7 @@
           <a:p>
             <a:pPr eaLnBrk="1" hangingPunct="1"/>
             <a:r>
-              <a:rPr lang="en-US" sz="3600" smtClean="0"/>
+              <a:rPr lang="en-US" sz="3600" dirty="0" smtClean="0"/>
               <a:t>Stable Marriage</a:t>
             </a:r>
           </a:p>
@@ -38494,7 +38792,7 @@
         <p:spPr>
           <a:xfrm>
             <a:off x="327407" y="1287080"/>
-            <a:ext cx="8563205" cy="4243387"/>
+            <a:ext cx="8619240" cy="4525415"/>
           </a:xfrm>
         </p:spPr>
         <p:txBody>
@@ -38502,7 +38800,6 @@
           <a:lstStyle/>
           <a:p>
             <a:pPr eaLnBrk="1" hangingPunct="1">
-              <a:buFontTx/>
               <a:buNone/>
             </a:pPr>
             <a:r>
@@ -38522,7 +38819,6 @@
               <a:spcBef>
                 <a:spcPct val="0"/>
               </a:spcBef>
-              <a:buFontTx/>
               <a:buNone/>
             </a:pPr>
             <a:r>
@@ -38564,6 +38860,10 @@
           <a:bodyPr/>
           <a:lstStyle/>
           <a:p>
+            <a:pPr>
+              <a:buFont typeface="Arial"/>
+              <a:buChar char="•"/>
+            </a:pPr>
             <a:r>
               <a:rPr lang="en-US" dirty="0" err="1" smtClean="0"/>
               <a:t>lec</a:t>
@@ -38574,7 +38874,10 @@
             </a:r>
             <a:fld id="{0E34B4AB-722C-48E8-93E1-D16C68AF395B}" type="slidenum">
               <a:rPr lang="en-US" smtClean="0"/>
-              <a:pPr/>
+              <a:pPr>
+                <a:buFont typeface="Arial"/>
+                <a:buChar char="•"/>
+              </a:pPr>
               <a:t>42</a:t>
             </a:fld>
             <a:endParaRPr lang="en-US" dirty="0" smtClean="0"/>
@@ -39009,7 +39312,9 @@
           <a:bodyPr anchor="ctr"/>
           <a:lstStyle/>
           <a:p>
-            <a:pPr algn="ctr"/>
+            <a:pPr algn="ctr">
+              <a:buNone/>
+            </a:pPr>
             <a:r>
               <a:rPr lang="en-US" sz="7200" b="1" dirty="0" smtClean="0">
                 <a:solidFill>
@@ -39021,7 +39326,9 @@
             </a:r>
           </a:p>
           <a:p>
-            <a:pPr algn="ctr"/>
+            <a:pPr algn="ctr">
+              <a:buNone/>
+            </a:pPr>
             <a:r>
               <a:rPr lang="en-US" sz="7200" dirty="0" smtClean="0">
                 <a:solidFill>
@@ -39293,10 +39600,10 @@
         </p:nvGrpSpPr>
         <p:grpSpPr bwMode="auto">
           <a:xfrm>
-            <a:off x="1150408" y="4806952"/>
-            <a:ext cx="7011988" cy="1509713"/>
+            <a:off x="1150408" y="4806950"/>
+            <a:ext cx="6808788" cy="1447800"/>
             <a:chOff x="718" y="3028"/>
-            <a:chExt cx="4417" cy="951"/>
+            <a:chExt cx="4289" cy="912"/>
           </a:xfrm>
         </p:grpSpPr>
         <p:sp>
@@ -39310,7 +39617,7 @@
           <p:spPr bwMode="auto">
             <a:xfrm>
               <a:off x="718" y="3202"/>
-              <a:ext cx="1289" cy="407"/>
+              <a:ext cx="1157" cy="368"/>
             </a:xfrm>
             <a:prstGeom prst="rect">
               <a:avLst/>
@@ -39329,6 +39636,9 @@
             </a:bodyPr>
             <a:lstStyle/>
             <a:p>
+              <a:pPr>
+                <a:buNone/>
+              </a:pPr>
               <a:r>
                 <a:rPr lang="en-US" dirty="0">
                   <a:latin typeface="Comic Sans MS" pitchFamily="66" charset="0"/>
@@ -39349,7 +39659,7 @@
           <p:spPr bwMode="auto">
             <a:xfrm>
               <a:off x="2566" y="3572"/>
-              <a:ext cx="759" cy="407"/>
+              <a:ext cx="688" cy="368"/>
             </a:xfrm>
             <a:prstGeom prst="rect">
               <a:avLst/>
@@ -39368,6 +39678,9 @@
             </a:bodyPr>
             <a:lstStyle/>
             <a:p>
+              <a:pPr>
+                <a:buNone/>
+              </a:pPr>
               <a:r>
                 <a:rPr lang="en-US">
                   <a:latin typeface="Comic Sans MS" pitchFamily="66" charset="0"/>
@@ -39388,7 +39701,7 @@
           <p:spPr bwMode="auto">
             <a:xfrm>
               <a:off x="3877" y="3028"/>
-              <a:ext cx="1258" cy="407"/>
+              <a:ext cx="1130" cy="368"/>
             </a:xfrm>
             <a:prstGeom prst="rect">
               <a:avLst/>
@@ -39407,8 +39720,11 @@
             </a:bodyPr>
             <a:lstStyle/>
             <a:p>
+              <a:pPr>
+                <a:buNone/>
+              </a:pPr>
               <a:r>
-                <a:rPr lang="en-US">
+                <a:rPr lang="en-US" dirty="0">
                   <a:latin typeface="Comic Sans MS" pitchFamily="66" charset="0"/>
                 </a:rPr>
                 <a:t>Angelina</a:t>
@@ -39513,6 +39829,7 @@
               <a:spcBef>
                 <a:spcPct val="20000"/>
               </a:spcBef>
+              <a:buNone/>
             </a:pPr>
             <a:r>
               <a:rPr lang="en-US" sz="3200" dirty="0">
@@ -39919,6 +40236,7 @@
               <a:spcBef>
                 <a:spcPct val="20000"/>
               </a:spcBef>
+              <a:buNone/>
             </a:pPr>
             <a:r>
               <a:rPr lang="en-US" sz="3200" dirty="0">
@@ -39941,6 +40259,7 @@
               <a:spcBef>
                 <a:spcPct val="20000"/>
               </a:spcBef>
+              <a:buNone/>
             </a:pPr>
             <a:r>
               <a:rPr lang="en-US" sz="3200" dirty="0">
@@ -40048,9 +40367,9 @@
         <p:grpSpPr>
           <a:xfrm>
             <a:off x="1139825" y="3708400"/>
-            <a:ext cx="2045753" cy="2021106"/>
+            <a:ext cx="1837362" cy="1959551"/>
             <a:chOff x="1139825" y="3708400"/>
-            <a:chExt cx="2045753" cy="2021106"/>
+            <a:chExt cx="1837362" cy="1959551"/>
           </a:xfrm>
         </p:grpSpPr>
         <p:pic>
@@ -40096,7 +40415,7 @@
           <p:spPr bwMode="auto">
             <a:xfrm>
               <a:off x="1139825" y="5083175"/>
-              <a:ext cx="2045753" cy="646331"/>
+              <a:ext cx="1837362" cy="584776"/>
             </a:xfrm>
             <a:prstGeom prst="rect">
               <a:avLst/>
@@ -40115,6 +40434,9 @@
             </a:bodyPr>
             <a:lstStyle/>
             <a:p>
+              <a:pPr>
+                <a:buNone/>
+              </a:pPr>
               <a:r>
                 <a:rPr lang="en-US">
                   <a:latin typeface="Comic Sans MS" pitchFamily="66" charset="0"/>
@@ -40136,7 +40458,7 @@
         <p:spPr bwMode="auto">
           <a:xfrm>
             <a:off x="4073525" y="5670550"/>
-            <a:ext cx="1204176" cy="646331"/>
+            <a:ext cx="1091565" cy="584776"/>
           </a:xfrm>
           <a:prstGeom prst="rect">
             <a:avLst/>
@@ -40155,6 +40477,9 @@
           </a:bodyPr>
           <a:lstStyle/>
           <a:p>
+            <a:pPr>
+              <a:buNone/>
+            </a:pPr>
             <a:r>
               <a:rPr lang="en-US">
                 <a:latin typeface="Comic Sans MS" pitchFamily="66" charset="0"/>
@@ -40175,7 +40500,7 @@
         <p:spPr bwMode="auto">
           <a:xfrm>
             <a:off x="6154738" y="4806950"/>
-            <a:ext cx="1997663" cy="646331"/>
+            <a:ext cx="1794482" cy="584776"/>
           </a:xfrm>
           <a:prstGeom prst="rect">
             <a:avLst/>
@@ -40194,6 +40519,9 @@
           </a:bodyPr>
           <a:lstStyle/>
           <a:p>
+            <a:pPr>
+              <a:buNone/>
+            </a:pPr>
             <a:r>
               <a:rPr lang="en-US">
                 <a:latin typeface="Comic Sans MS" pitchFamily="66" charset="0"/>
@@ -40316,21 +40644,11 @@
             </a:bodyPr>
             <a:lstStyle/>
             <a:p>
-              <a:pPr marL="0" marR="0" indent="0" algn="l" defTabSz="914400" rtl="0" eaLnBrk="1" fontAlgn="base" latinLnBrk="0" hangingPunct="1">
-                <a:lnSpc>
-                  <a:spcPct val="100000"/>
-                </a:lnSpc>
+              <a:pPr>
                 <a:spcBef>
                   <a:spcPct val="0"/>
                 </a:spcBef>
-                <a:spcAft>
-                  <a:spcPct val="0"/>
-                </a:spcAft>
-                <a:buClrTx/>
-                <a:buSzTx/>
-                <a:buFontTx/>
                 <a:buNone/>
-                <a:tabLst/>
               </a:pPr>
               <a:endParaRPr kumimoji="0" lang="en-US" sz="3600" b="0" i="0" u="none" strike="noStrike" cap="none" normalizeH="0" baseline="0" smtClean="0">
                 <a:ln>
@@ -40354,7 +40672,7 @@
           <p:spPr>
             <a:xfrm>
               <a:off x="5089793" y="2348607"/>
-              <a:ext cx="3547766" cy="1077218"/>
+              <a:ext cx="3545762" cy="1175706"/>
             </a:xfrm>
             <a:prstGeom prst="rect">
               <a:avLst/>
@@ -40367,6 +40685,9 @@
             </a:bodyPr>
             <a:lstStyle/>
             <a:p>
+              <a:pPr>
+                <a:buNone/>
+              </a:pPr>
               <a:r>
                 <a:rPr lang="en-US" sz="3200" dirty="0" smtClean="0">
                   <a:latin typeface="Comic Sans MS" pitchFamily="66" charset="0"/>
@@ -40375,6 +40696,9 @@
               </a:r>
             </a:p>
             <a:p>
+              <a:pPr>
+                <a:buNone/>
+              </a:pPr>
               <a:r>
                 <a:rPr lang="en-US" sz="3200" dirty="0" smtClean="0">
                   <a:latin typeface="Comic Sans MS" pitchFamily="66" charset="0"/>
@@ -40734,7 +41058,7 @@
           <p:spPr bwMode="auto">
             <a:xfrm>
               <a:off x="1945610" y="3552825"/>
-              <a:ext cx="1192955" cy="1631216"/>
+              <a:ext cx="1190801" cy="1815882"/>
             </a:xfrm>
             <a:prstGeom prst="rect">
               <a:avLst/>
@@ -40753,6 +41077,9 @@
             </a:bodyPr>
             <a:lstStyle/>
             <a:p>
+              <a:pPr>
+                <a:buNone/>
+              </a:pPr>
               <a:r>
                 <a:rPr lang="en-US" sz="4000" dirty="0">
                   <a:latin typeface="Comic Sans MS" pitchFamily="66" charset="0"/>
@@ -40761,6 +41088,9 @@
               </a:r>
             </a:p>
             <a:p>
+              <a:pPr>
+                <a:buNone/>
+              </a:pPr>
               <a:r>
                 <a:rPr lang="en-US" sz="2000" dirty="0">
                   <a:latin typeface="Comic Sans MS" pitchFamily="66" charset="0"/>
@@ -40805,8 +41135,11 @@
             </a:bodyPr>
             <a:lstStyle/>
             <a:p>
+              <a:pPr>
+                <a:buNone/>
+              </a:pPr>
               <a:r>
-                <a:rPr lang="en-US" sz="4000">
+                <a:rPr lang="en-US" sz="4000" dirty="0">
                   <a:latin typeface="Comic Sans MS" pitchFamily="66" charset="0"/>
                 </a:rPr>
                 <a:t>…</a:t>
@@ -40825,7 +41158,7 @@
         </p:nvSpPr>
         <p:spPr bwMode="auto">
           <a:xfrm flipV="1">
-            <a:off x="1972597" y="4298950"/>
+            <a:off x="1972597" y="4367602"/>
             <a:ext cx="1041400" cy="152400"/>
           </a:xfrm>
           <a:prstGeom prst="line">
@@ -40860,9 +41193,9 @@
         <p:grpSpPr>
           <a:xfrm>
             <a:off x="6890630" y="3598232"/>
-            <a:ext cx="2045753" cy="2021106"/>
+            <a:ext cx="1837362" cy="1959551"/>
             <a:chOff x="1139825" y="3708400"/>
-            <a:chExt cx="2045753" cy="2021106"/>
+            <a:chExt cx="1837362" cy="1959551"/>
           </a:xfrm>
         </p:grpSpPr>
         <p:pic>
@@ -40908,7 +41241,7 @@
           <p:spPr bwMode="auto">
             <a:xfrm>
               <a:off x="1139825" y="5083175"/>
-              <a:ext cx="2045753" cy="646331"/>
+              <a:ext cx="1837362" cy="584776"/>
             </a:xfrm>
             <a:prstGeom prst="rect">
               <a:avLst/>
@@ -40927,8 +41260,11 @@
             </a:bodyPr>
             <a:lstStyle/>
             <a:p>
+              <a:pPr>
+                <a:buNone/>
+              </a:pPr>
               <a:r>
-                <a:rPr lang="en-US">
+                <a:rPr lang="en-US" dirty="0">
                   <a:latin typeface="Comic Sans MS" pitchFamily="66" charset="0"/>
                 </a:rPr>
                 <a:t>Billy Bob</a:t>
@@ -41396,7 +41732,7 @@
         <p:spPr bwMode="auto">
           <a:xfrm>
             <a:off x="504834" y="2762281"/>
-            <a:ext cx="6622326" cy="2308324"/>
+            <a:ext cx="6817191" cy="2603790"/>
           </a:xfrm>
           <a:prstGeom prst="rect">
             <a:avLst/>
@@ -41415,6 +41751,9 @@
           </a:bodyPr>
           <a:lstStyle/>
           <a:p>
+            <a:pPr>
+              <a:buNone/>
+            </a:pPr>
             <a:r>
               <a:rPr lang="en-US" sz="4800" dirty="0">
                 <a:solidFill>
@@ -41435,28 +41774,40 @@
           </a:p>
           <a:p>
             <a:pPr eaLnBrk="1" hangingPunct="1">
-              <a:buFont typeface="Arial"/>
-              <a:buChar char="•"/>
+              <a:buNone/>
             </a:pPr>
             <a:r>
               <a:rPr lang="en-US" sz="4800" dirty="0" smtClean="0">
                 <a:latin typeface="Comic Sans MS"/>
                 <a:cs typeface="Comic Sans MS"/>
               </a:rPr>
-              <a:t> everyone is married.</a:t>
-            </a:r>
-          </a:p>
-          <a:p>
-            <a:pPr eaLnBrk="1" hangingPunct="1">
-              <a:buFont typeface="Arial"/>
-              <a:buChar char="•"/>
-            </a:pPr>
+              <a:t>   everyone </a:t>
+            </a:r>
             <a:r>
               <a:rPr lang="en-US" sz="4800" dirty="0" smtClean="0">
                 <a:latin typeface="Comic Sans MS"/>
                 <a:cs typeface="Comic Sans MS"/>
               </a:rPr>
-              <a:t> marriages are stable.</a:t>
+              <a:t>is married.</a:t>
+            </a:r>
+          </a:p>
+          <a:p>
+            <a:pPr eaLnBrk="1" hangingPunct="1">
+              <a:buNone/>
+            </a:pPr>
+            <a:r>
+              <a:rPr lang="en-US" sz="4800" dirty="0" smtClean="0">
+                <a:latin typeface="Comic Sans MS"/>
+                <a:cs typeface="Comic Sans MS"/>
+              </a:rPr>
+              <a:t>   marriages </a:t>
+            </a:r>
+            <a:r>
+              <a:rPr lang="en-US" sz="4800" dirty="0" smtClean="0">
+                <a:latin typeface="Comic Sans MS"/>
+                <a:cs typeface="Comic Sans MS"/>
+              </a:rPr>
+              <a:t>are stable.</a:t>
             </a:r>
           </a:p>
         </p:txBody>
@@ -42774,8 +43125,8 @@
         </p:nvSpPr>
         <p:spPr bwMode="auto">
           <a:xfrm>
-            <a:off x="107136" y="1207055"/>
-            <a:ext cx="8960466" cy="4708981"/>
+            <a:off x="149646" y="1207055"/>
+            <a:ext cx="8875446" cy="5447645"/>
           </a:xfrm>
           <a:prstGeom prst="rect">
             <a:avLst/>
@@ -42794,7 +43145,9 @@
           </a:bodyPr>
           <a:lstStyle/>
           <a:p>
-            <a:pPr algn="ctr"/>
+            <a:pPr algn="ctr">
+              <a:buNone/>
+            </a:pPr>
             <a:r>
               <a:rPr lang="en-US" sz="6000" dirty="0" smtClean="0">
                 <a:solidFill>
@@ -42806,7 +43159,9 @@
             </a:r>
           </a:p>
           <a:p>
-            <a:pPr algn="ctr"/>
+            <a:pPr algn="ctr">
+              <a:buNone/>
+            </a:pPr>
             <a:r>
               <a:rPr lang="en-US" sz="6000" dirty="0" smtClean="0">
                 <a:solidFill>
@@ -42827,6 +43182,9 @@
             </a:endParaRPr>
           </a:p>
           <a:p>
+            <a:pPr>
+              <a:buNone/>
+            </a:pPr>
             <a:r>
               <a:rPr lang="en-US" sz="5400" dirty="0" smtClean="0">
                 <a:solidFill>
@@ -42838,6 +43196,9 @@
             </a:r>
           </a:p>
           <a:p>
+            <a:pPr>
+              <a:buNone/>
+            </a:pPr>
             <a:r>
               <a:rPr lang="en-US" sz="5400" dirty="0" smtClean="0">
                 <a:solidFill>
@@ -42883,7 +43244,9 @@
             </a:endParaRPr>
           </a:p>
           <a:p>
-            <a:pPr algn="ctr"/>
+            <a:pPr algn="ctr">
+              <a:buNone/>
+            </a:pPr>
             <a:r>
               <a:rPr lang="en-US" sz="6600" dirty="0">
                 <a:latin typeface="Comic Sans MS" pitchFamily="66" charset="0"/>
@@ -43208,7 +43571,7 @@
         <p:spPr bwMode="auto">
           <a:xfrm>
             <a:off x="678296" y="1509313"/>
-            <a:ext cx="7863608" cy="3785652"/>
+            <a:ext cx="7863608" cy="4376583"/>
           </a:xfrm>
           <a:prstGeom prst="rect">
             <a:avLst/>
@@ -43227,6 +43590,9 @@
           </a:bodyPr>
           <a:lstStyle/>
           <a:p>
+            <a:pPr>
+              <a:buNone/>
+            </a:pPr>
             <a:r>
               <a:rPr lang="en-US" sz="4800" dirty="0" smtClean="0">
                 <a:latin typeface="Comic Sans MS" pitchFamily="66" charset="0"/>
@@ -43241,6 +43607,9 @@
             </a:endParaRPr>
           </a:p>
           <a:p>
+            <a:pPr>
+              <a:buNone/>
+            </a:pPr>
             <a:r>
               <a:rPr lang="en-US" sz="4800" i="1" dirty="0" smtClean="0">
                 <a:solidFill>
@@ -43273,6 +43642,9 @@
             </a:endParaRPr>
           </a:p>
           <a:p>
+            <a:pPr>
+              <a:buNone/>
+            </a:pPr>
             <a:r>
               <a:rPr lang="en-US" sz="4800" dirty="0" smtClean="0">
                 <a:solidFill>
@@ -43311,6 +43683,9 @@
             </a:r>
           </a:p>
           <a:p>
+            <a:pPr>
+              <a:buNone/>
+            </a:pPr>
             <a:r>
               <a:rPr lang="en-US" sz="4800" dirty="0" smtClean="0">
                 <a:latin typeface="Comic Sans MS" pitchFamily="66" charset="0"/>
@@ -43331,6 +43706,9 @@
             </a:r>
           </a:p>
           <a:p>
+            <a:pPr>
+              <a:buNone/>
+            </a:pPr>
             <a:r>
               <a:rPr lang="en-US" sz="4800" dirty="0" smtClean="0">
                 <a:latin typeface="Comic Sans MS" pitchFamily="66" charset="0"/>
@@ -43599,7 +43977,7 @@
         <p:spPr bwMode="auto">
           <a:xfrm>
             <a:off x="171224" y="1487090"/>
-            <a:ext cx="8877751" cy="3785652"/>
+            <a:ext cx="8874244" cy="4376583"/>
           </a:xfrm>
           <a:prstGeom prst="rect">
             <a:avLst/>
@@ -43618,6 +43996,9 @@
           </a:bodyPr>
           <a:lstStyle/>
           <a:p>
+            <a:pPr>
+              <a:buNone/>
+            </a:pPr>
             <a:r>
               <a:rPr lang="en-US" sz="4800" dirty="0">
                 <a:latin typeface="Comic Sans MS" pitchFamily="66" charset="0"/>
@@ -43626,6 +44007,9 @@
             </a:r>
           </a:p>
           <a:p>
+            <a:pPr>
+              <a:buNone/>
+            </a:pPr>
             <a:r>
               <a:rPr lang="en-US" sz="4800" dirty="0">
                 <a:latin typeface="Comic Sans MS" pitchFamily="66" charset="0"/>
@@ -43634,6 +44018,9 @@
             </a:r>
           </a:p>
           <a:p>
+            <a:pPr>
+              <a:buNone/>
+            </a:pPr>
             <a:r>
               <a:rPr lang="en-US" sz="4800" dirty="0">
                 <a:latin typeface="Comic Sans MS" pitchFamily="66" charset="0"/>
@@ -43657,6 +44044,9 @@
             </a:r>
           </a:p>
           <a:p>
+            <a:pPr>
+              <a:buNone/>
+            </a:pPr>
             <a:r>
               <a:rPr lang="en-US" sz="4800" dirty="0" smtClean="0">
                 <a:latin typeface="Comic Sans MS" pitchFamily="66" charset="0"/>
@@ -43708,6 +44098,9 @@
             </a:endParaRPr>
           </a:p>
           <a:p>
+            <a:pPr>
+              <a:buNone/>
+            </a:pPr>
             <a:r>
               <a:rPr lang="en-US" sz="4800" dirty="0">
                 <a:latin typeface="Comic Sans MS" pitchFamily="66" charset="0"/>
@@ -43947,8 +44340,8 @@
         </p:nvSpPr>
         <p:spPr bwMode="auto">
           <a:xfrm>
-            <a:off x="576382" y="1035583"/>
-            <a:ext cx="8082878" cy="2952521"/>
+            <a:off x="576382" y="909721"/>
+            <a:ext cx="8082878" cy="3243965"/>
           </a:xfrm>
           <a:prstGeom prst="rect">
             <a:avLst/>
@@ -43967,6 +44360,9 @@
           </a:bodyPr>
           <a:lstStyle/>
           <a:p>
+            <a:pPr>
+              <a:buNone/>
+            </a:pPr>
             <a:r>
               <a:rPr lang="en-US" i="1" dirty="0" smtClean="0">
                 <a:solidFill>
@@ -43984,6 +44380,9 @@
             </a:endParaRPr>
           </a:p>
           <a:p>
+            <a:pPr>
+              <a:buNone/>
+            </a:pPr>
             <a:r>
               <a:rPr lang="en-US" sz="4800" dirty="0" smtClean="0">
                 <a:latin typeface="Comic Sans MS" pitchFamily="66" charset="0"/>
@@ -43998,6 +44397,9 @@
             </a:r>
           </a:p>
           <a:p>
+            <a:pPr>
+              <a:buNone/>
+            </a:pPr>
             <a:r>
               <a:rPr lang="en-US" sz="4800" dirty="0">
                 <a:latin typeface="Comic Sans MS" pitchFamily="66" charset="0"/>
@@ -44012,6 +44414,9 @@
             </a:r>
           </a:p>
           <a:p>
+            <a:pPr>
+              <a:buNone/>
+            </a:pPr>
             <a:r>
               <a:rPr lang="en-US" sz="4800" dirty="0" smtClean="0">
                 <a:latin typeface="Comic Sans MS" pitchFamily="66" charset="0"/>
@@ -44037,8 +44442,8 @@
         </p:nvSpPr>
         <p:spPr bwMode="auto">
           <a:xfrm>
-            <a:off x="359568" y="3952652"/>
-            <a:ext cx="8501063" cy="2123658"/>
+            <a:off x="576948" y="4112839"/>
+            <a:ext cx="8026484" cy="2259080"/>
           </a:xfrm>
           <a:prstGeom prst="rect">
             <a:avLst/>
@@ -44052,11 +44457,14 @@
           </a:ln>
         </p:spPr>
         <p:txBody>
-          <a:bodyPr>
+          <a:bodyPr wrap="square">
             <a:spAutoFit/>
           </a:bodyPr>
           <a:lstStyle/>
           <a:p>
+            <a:pPr>
+              <a:buNone/>
+            </a:pPr>
             <a:r>
               <a:rPr lang="en-US" sz="4400" dirty="0">
                 <a:latin typeface="Comic Sans MS" pitchFamily="66" charset="0"/>
@@ -44065,6 +44473,9 @@
             </a:r>
           </a:p>
           <a:p>
+            <a:pPr>
+              <a:buNone/>
+            </a:pPr>
             <a:r>
               <a:rPr lang="en-US" sz="4400" dirty="0">
                 <a:latin typeface="Comic Sans MS" pitchFamily="66" charset="0"/>
@@ -44279,7 +44690,7 @@
         <p:spPr bwMode="auto">
           <a:xfrm>
             <a:off x="626182" y="4076241"/>
-            <a:ext cx="7967835" cy="1754326"/>
+            <a:ext cx="7967835" cy="1920526"/>
           </a:xfrm>
           <a:prstGeom prst="rect">
             <a:avLst/>
@@ -44298,6 +44709,9 @@
           </a:bodyPr>
           <a:lstStyle/>
           <a:p>
+            <a:pPr>
+              <a:buNone/>
+            </a:pPr>
             <a:r>
               <a:rPr lang="en-US" sz="5400" dirty="0">
                 <a:latin typeface="Comic Sans MS" pitchFamily="66" charset="0"/>
@@ -44348,6 +44762,9 @@
             </a:r>
           </a:p>
           <a:p>
+            <a:pPr>
+              <a:buNone/>
+            </a:pPr>
             <a:r>
               <a:rPr lang="en-US" sz="5400" dirty="0">
                 <a:solidFill>
@@ -44420,7 +44837,7 @@
         <p:spPr bwMode="auto">
           <a:xfrm>
             <a:off x="576382" y="1035583"/>
-            <a:ext cx="8082878" cy="2952521"/>
+            <a:ext cx="8082878" cy="3243965"/>
           </a:xfrm>
           <a:prstGeom prst="rect">
             <a:avLst/>
@@ -44439,6 +44856,9 @@
           </a:bodyPr>
           <a:lstStyle/>
           <a:p>
+            <a:pPr>
+              <a:buNone/>
+            </a:pPr>
             <a:r>
               <a:rPr lang="en-US" i="1" dirty="0" smtClean="0">
                 <a:solidFill>
@@ -44456,6 +44876,9 @@
             </a:endParaRPr>
           </a:p>
           <a:p>
+            <a:pPr>
+              <a:buNone/>
+            </a:pPr>
             <a:r>
               <a:rPr lang="en-US" sz="4800" dirty="0" smtClean="0">
                 <a:latin typeface="Comic Sans MS" pitchFamily="66" charset="0"/>
@@ -44470,6 +44893,9 @@
             </a:r>
           </a:p>
           <a:p>
+            <a:pPr>
+              <a:buNone/>
+            </a:pPr>
             <a:r>
               <a:rPr lang="en-US" sz="4800" dirty="0">
                 <a:latin typeface="Comic Sans MS" pitchFamily="66" charset="0"/>
@@ -44484,6 +44910,9 @@
             </a:r>
           </a:p>
           <a:p>
+            <a:pPr>
+              <a:buNone/>
+            </a:pPr>
             <a:r>
               <a:rPr lang="en-US" sz="4800" dirty="0" smtClean="0">
                 <a:latin typeface="Comic Sans MS" pitchFamily="66" charset="0"/>
